--- a/final presentation.pptx
+++ b/final presentation.pptx
@@ -109,6 +109,22 @@
       </a:defRPr>
     </a:lvl9pPr>
   </p:defaultTextStyle>
+  <p:extLst>
+    <p:ext uri="{EFAFB233-063F-42B5-8137-9DF3F51BA10A}">
+      <p15:sldGuideLst xmlns:p15="http://schemas.microsoft.com/office/powerpoint/2012/main">
+        <p15:guide id="1" orient="horz" pos="2160">
+          <p15:clr>
+            <a:srgbClr val="A4A3A4"/>
+          </p15:clr>
+        </p15:guide>
+        <p15:guide id="2" pos="3840">
+          <p15:clr>
+            <a:srgbClr val="A4A3A4"/>
+          </p15:clr>
+        </p15:guide>
+      </p15:sldGuideLst>
+    </p:ext>
+  </p:extLst>
 </p:presentation>
 </file>
 
@@ -3527,7 +3543,15 @@
             </a:pPr>
             <a:r>
               <a:rPr lang="he-IL" dirty="0" smtClean="0"/>
-              <a:t>קודם כל למדנו שעבודת צוות עדיפה על עבודה לבד, בקבוצה אומנם קצת יותר קשה לעבוד, אבל הערך המוסף שכל אחד יכול לעזור לאחר בנושא מסוים חשוב יותר.</a:t>
+              <a:t>קודם כל למדנו שעבודת צוות עדיפה על עבודה לבד, בקבוצה אומנם קצת יותר קשה </a:t>
+            </a:r>
+            <a:r>
+              <a:rPr lang="he-IL" dirty="0" smtClean="0"/>
+              <a:t>לעבוד, </a:t>
+            </a:r>
+            <a:r>
+              <a:rPr lang="he-IL" dirty="0" smtClean="0"/>
+              <a:t>אבל הערך המוסף שכל אחד יכול לעזור לאחר בנושא מסוים חשוב יותר.</a:t>
             </a:r>
           </a:p>
           <a:p>
@@ -3549,7 +3573,11 @@
             </a:pPr>
             <a:r>
               <a:rPr lang="he-IL" dirty="0" smtClean="0"/>
-              <a:t>בנוסף למדנו שעבודה מול לקוח והדרישות שלו אינן מקלות על הביצוע כמו שחשבנו בהתחלה, קיווינו כי הדרישות יכוונו אותנו למוצר הסופי, אבל חוסר הבנה אפילו בדברים הכי קטנים, יכול לשנות לגמרי את המוצר, שלא כמו בעבודה פרטית שלנו.</a:t>
+              <a:t>בנוסף, </a:t>
+            </a:r>
+            <a:r>
+              <a:rPr lang="he-IL" dirty="0" smtClean="0"/>
+              <a:t>למדנו שעבודה מול לקוח והדרישות שלו אינן מקלות על הביצוע כמו שחשבנו בהתחלה, קיווינו כי הדרישות יכוונו אותנו למוצר הסופי, אבל חוסר הבנה אפילו בדברים הכי קטנים, יכול לשנות לגמרי את המוצר, שלא כמו בעבודה פרטית שלנו.</a:t>
             </a:r>
             <a:endParaRPr lang="he-IL" dirty="0"/>
           </a:p>
@@ -3747,36 +3775,52 @@
             </a:pPr>
             <a:r>
               <a:rPr lang="he-IL" dirty="0" smtClean="0"/>
-              <a:t>עבדנו </a:t>
+              <a:t>עבדנו עם</a:t>
+            </a:r>
+            <a:r>
+              <a:rPr lang="en-US" dirty="0" smtClean="0"/>
+              <a:t>.NET </a:t>
+            </a:r>
+            <a:r>
+              <a:rPr lang="en-US" dirty="0"/>
+              <a:t>,</a:t>
+            </a:r>
+            <a:r>
+              <a:rPr lang="en-US" dirty="0" smtClean="0"/>
+              <a:t>MVC </a:t>
             </a:r>
             <a:r>
               <a:rPr lang="he-IL" dirty="0" smtClean="0"/>
-              <a:t>עם</a:t>
+              <a:t>, </a:t>
             </a:r>
             <a:r>
               <a:rPr lang="en-US" dirty="0" smtClean="0"/>
-              <a:t>.NET MVC </a:t>
+              <a:t>JS, HTML, CSS, C#</a:t>
             </a:r>
             <a:r>
               <a:rPr lang="he-IL" dirty="0" smtClean="0"/>
-              <a:t> </a:t>
-            </a:r>
-            <a:r>
-              <a:rPr lang="en-US" dirty="0" smtClean="0"/>
-              <a:t>JS, HTML, CSS, </a:t>
-            </a:r>
-            <a:r>
-              <a:rPr lang="en-US" dirty="0" smtClean="0"/>
-              <a:t>C#</a:t>
+              <a:t> והשילוב ביניהם</a:t>
             </a:r>
             <a:r>
               <a:rPr lang="he-IL" dirty="0" smtClean="0"/>
-              <a:t> </a:t>
-            </a:r>
+              <a:t>.</a:t>
+            </a:r>
+          </a:p>
+          <a:p>
+            <a:pPr>
+              <a:lnSpc>
+                <a:spcPct val="150000"/>
+              </a:lnSpc>
+            </a:pPr>
             <a:r>
               <a:rPr lang="he-IL" dirty="0" smtClean="0"/>
-              <a:t>והשילוב ביניהם.</a:t>
-            </a:r>
+              <a:t>בנוסף, העבודה מול השרת וחיבור </a:t>
+            </a:r>
+            <a:r>
+              <a:rPr lang="he-IL" smtClean="0"/>
+              <a:t>היצירה שלנו לאתר קיים.</a:t>
+            </a:r>
+            <a:endParaRPr lang="he-IL" dirty="0" smtClean="0"/>
           </a:p>
           <a:p>
             <a:endParaRPr lang="he-IL" dirty="0"/>
@@ -4329,7 +4373,7 @@
   <a:extraClrSchemeLst/>
   <a:extLst>
     <a:ext uri="{05A4C25C-085E-4340-85A3-A5531E510DB2}">
-      <thm15:themeFamily xmlns:thm15="http://schemas.microsoft.com/office/thememl/2012/main" xmlns="" name="Office Theme" id="{62F939B6-93AF-4DB8-9C6B-D6C7DFDC589F}" vid="{4A3C46E8-61CC-4603-A589-7422A47A8E4A}"/>
+      <thm15:themeFamily xmlns:thm15="http://schemas.microsoft.com/office/thememl/2012/main" name="Office Theme" id="{62F939B6-93AF-4DB8-9C6B-D6C7DFDC589F}" vid="{4A3C46E8-61CC-4603-A589-7422A47A8E4A}"/>
     </a:ext>
   </a:extLst>
 </a:theme>

--- a/final presentation.pptx
+++ b/final presentation.pptx
@@ -6,11 +6,12 @@
   </p:sldMasterIdLst>
   <p:sldIdLst>
     <p:sldId id="256" r:id="rId2"/>
-    <p:sldId id="257" r:id="rId3"/>
-    <p:sldId id="258" r:id="rId4"/>
-    <p:sldId id="259" r:id="rId5"/>
-    <p:sldId id="260" r:id="rId6"/>
-    <p:sldId id="261" r:id="rId7"/>
+    <p:sldId id="262" r:id="rId3"/>
+    <p:sldId id="257" r:id="rId4"/>
+    <p:sldId id="258" r:id="rId5"/>
+    <p:sldId id="259" r:id="rId6"/>
+    <p:sldId id="260" r:id="rId7"/>
+    <p:sldId id="261" r:id="rId8"/>
   </p:sldIdLst>
   <p:sldSz cx="12192000" cy="6858000"/>
   <p:notesSz cx="6858000" cy="9144000"/>
@@ -3085,10 +3086,216 @@
   <p:clrMapOvr>
     <a:masterClrMapping/>
   </p:clrMapOvr>
+  <p:timing>
+    <p:tnLst>
+      <p:par>
+        <p:cTn id="1" dur="indefinite" restart="never" nodeType="tmRoot"/>
+      </p:par>
+    </p:tnLst>
+  </p:timing>
 </p:sld>
 </file>
 
 <file path=ppt/slides/slide2.xml><?xml version="1.0" encoding="utf-8"?>
+<p:sld xmlns:a="http://schemas.openxmlformats.org/drawingml/2006/main" xmlns:r="http://schemas.openxmlformats.org/officeDocument/2006/relationships" xmlns:p="http://schemas.openxmlformats.org/presentationml/2006/main">
+  <p:cSld>
+    <p:bg>
+      <p:bgPr>
+        <a:solidFill>
+          <a:schemeClr val="accent4">
+            <a:lumMod val="20000"/>
+            <a:lumOff val="80000"/>
+          </a:schemeClr>
+        </a:solidFill>
+        <a:effectLst/>
+      </p:bgPr>
+    </p:bg>
+    <p:spTree>
+      <p:nvGrpSpPr>
+        <p:cNvPr id="1" name=""/>
+        <p:cNvGrpSpPr/>
+        <p:nvPr/>
+      </p:nvGrpSpPr>
+      <p:grpSpPr>
+        <a:xfrm>
+          <a:off x="0" y="0"/>
+          <a:ext cx="0" cy="0"/>
+          <a:chOff x="0" y="0"/>
+          <a:chExt cx="0" cy="0"/>
+        </a:xfrm>
+      </p:grpSpPr>
+      <p:sp>
+        <p:nvSpPr>
+          <p:cNvPr id="2" name="כותרת 1"/>
+          <p:cNvSpPr>
+            <a:spLocks noGrp="1"/>
+          </p:cNvSpPr>
+          <p:nvPr>
+            <p:ph type="title"/>
+          </p:nvPr>
+        </p:nvSpPr>
+        <p:spPr/>
+        <p:txBody>
+          <a:bodyPr>
+            <a:normAutofit fontScale="90000"/>
+          </a:bodyPr>
+          <a:lstStyle/>
+          <a:p>
+            <a:pPr algn="ctr"/>
+            <a:r>
+              <a:rPr lang="he-IL" b="1" dirty="0" smtClean="0">
+                <a:solidFill>
+                  <a:srgbClr val="FF0000"/>
+                </a:solidFill>
+              </a:rPr>
+              <a:t>עמותת "יוצאים לשינוי"</a:t>
+            </a:r>
+            <a:br>
+              <a:rPr lang="he-IL" b="1" dirty="0" smtClean="0">
+                <a:solidFill>
+                  <a:srgbClr val="FF0000"/>
+                </a:solidFill>
+              </a:rPr>
+            </a:br>
+            <a:r>
+              <a:rPr lang="he-IL" sz="4000" dirty="0" smtClean="0">
+                <a:solidFill>
+                  <a:srgbClr val="FF0000"/>
+                </a:solidFill>
+              </a:rPr>
+              <a:t/>
+            </a:r>
+            <a:br>
+              <a:rPr lang="he-IL" sz="4000" dirty="0" smtClean="0">
+                <a:solidFill>
+                  <a:srgbClr val="FF0000"/>
+                </a:solidFill>
+              </a:rPr>
+            </a:br>
+            <a:r>
+              <a:rPr lang="he-IL" sz="4000" u="sng" dirty="0" smtClean="0"/>
+              <a:t>קצת על העמותה:</a:t>
+            </a:r>
+            <a:endParaRPr lang="he-IL" b="1" u="sng" dirty="0">
+              <a:solidFill>
+                <a:srgbClr val="FF0000"/>
+              </a:solidFill>
+            </a:endParaRPr>
+          </a:p>
+        </p:txBody>
+      </p:sp>
+      <p:sp>
+        <p:nvSpPr>
+          <p:cNvPr id="3" name="מציין מיקום תוכן 2"/>
+          <p:cNvSpPr>
+            <a:spLocks noGrp="1"/>
+          </p:cNvSpPr>
+          <p:nvPr>
+            <p:ph idx="1"/>
+          </p:nvPr>
+        </p:nvSpPr>
+        <p:spPr/>
+        <p:txBody>
+          <a:bodyPr/>
+          <a:lstStyle/>
+          <a:p>
+            <a:pPr>
+              <a:lnSpc>
+                <a:spcPct val="150000"/>
+              </a:lnSpc>
+            </a:pPr>
+            <a:r>
+              <a:rPr lang="he-IL" dirty="0" smtClean="0"/>
+              <a:t>עמותת "יוצאים לשינוי" עוזרת ליוצאי הקהילה החרדית בעיקר בהשוואת תנאים סוציאליים ליוצאי הקהילה, ובעזרה בהשלמת בגרויות ולימודים אקדמאים.</a:t>
+            </a:r>
+          </a:p>
+          <a:p>
+            <a:pPr>
+              <a:lnSpc>
+                <a:spcPct val="150000"/>
+              </a:lnSpc>
+            </a:pPr>
+            <a:r>
+              <a:rPr lang="he-IL" dirty="0" smtClean="0"/>
+              <a:t>פרויקט "יוצאים ללמוד" עוזר במתן שיעורים פרטיים ליוצאי הקהילה.</a:t>
+            </a:r>
+          </a:p>
+          <a:p>
+            <a:pPr>
+              <a:lnSpc>
+                <a:spcPct val="150000"/>
+              </a:lnSpc>
+            </a:pPr>
+            <a:r>
+              <a:rPr lang="he-IL" dirty="0" smtClean="0"/>
+              <a:t>כרגע הפרויקט עובד רק באזור ירושלים, ובעתיד ישתלב בכל רחבי הארץ</a:t>
+            </a:r>
+          </a:p>
+          <a:p>
+            <a:pPr>
+              <a:lnSpc>
+                <a:spcPct val="150000"/>
+              </a:lnSpc>
+            </a:pPr>
+            <a:r>
+              <a:rPr lang="he-IL" dirty="0" smtClean="0"/>
+              <a:t>כיום, רכזי הפרויקט עובדים בצורה מיושנת בניהול וארגון המידע.</a:t>
+            </a:r>
+            <a:endParaRPr lang="he-IL" dirty="0"/>
+          </a:p>
+        </p:txBody>
+      </p:sp>
+      <p:pic>
+        <p:nvPicPr>
+          <p:cNvPr id="4" name="תמונה 3"/>
+          <p:cNvPicPr>
+            <a:picLocks noChangeAspect="1"/>
+          </p:cNvPicPr>
+          <p:nvPr/>
+        </p:nvPicPr>
+        <p:blipFill>
+          <a:blip r:embed="rId2" cstate="print">
+            <a:extLst>
+              <a:ext uri="{28A0092B-C50C-407E-A947-70E740481C1C}">
+                <a14:useLocalDpi xmlns:a14="http://schemas.microsoft.com/office/drawing/2010/main" val="0"/>
+              </a:ext>
+            </a:extLst>
+          </a:blip>
+          <a:stretch>
+            <a:fillRect/>
+          </a:stretch>
+        </p:blipFill>
+        <p:spPr>
+          <a:xfrm>
+            <a:off x="10489811" y="1"/>
+            <a:ext cx="1702189" cy="1690688"/>
+          </a:xfrm>
+          <a:prstGeom prst="rect">
+            <a:avLst/>
+          </a:prstGeom>
+        </p:spPr>
+      </p:pic>
+    </p:spTree>
+    <p:extLst>
+      <p:ext uri="{BB962C8B-B14F-4D97-AF65-F5344CB8AC3E}">
+        <p14:creationId xmlns:p14="http://schemas.microsoft.com/office/powerpoint/2010/main" val="4006702314"/>
+      </p:ext>
+    </p:extLst>
+  </p:cSld>
+  <p:clrMapOvr>
+    <a:masterClrMapping/>
+  </p:clrMapOvr>
+  <p:timing>
+    <p:tnLst>
+      <p:par>
+        <p:cTn id="1" dur="indefinite" restart="never" nodeType="tmRoot"/>
+      </p:par>
+    </p:tnLst>
+  </p:timing>
+</p:sld>
+</file>
+
+<file path=ppt/slides/slide3.xml><?xml version="1.0" encoding="utf-8"?>
 <p:sld xmlns:a="http://schemas.openxmlformats.org/drawingml/2006/main" xmlns:r="http://schemas.openxmlformats.org/officeDocument/2006/relationships" xmlns:p="http://schemas.openxmlformats.org/presentationml/2006/main">
   <p:cSld>
     <p:bg>
@@ -3292,10 +3499,17 @@
   <p:clrMapOvr>
     <a:masterClrMapping/>
   </p:clrMapOvr>
+  <p:timing>
+    <p:tnLst>
+      <p:par>
+        <p:cTn id="1" dur="indefinite" restart="never" nodeType="tmRoot"/>
+      </p:par>
+    </p:tnLst>
+  </p:timing>
 </p:sld>
 </file>
 
-<file path=ppt/slides/slide3.xml><?xml version="1.0" encoding="utf-8"?>
+<file path=ppt/slides/slide4.xml><?xml version="1.0" encoding="utf-8"?>
 <p:sld xmlns:a="http://schemas.openxmlformats.org/drawingml/2006/main" xmlns:r="http://schemas.openxmlformats.org/officeDocument/2006/relationships" xmlns:p="http://schemas.openxmlformats.org/presentationml/2006/main">
   <p:cSld>
     <p:bg>
@@ -3456,10 +3670,17 @@
   <p:clrMapOvr>
     <a:masterClrMapping/>
   </p:clrMapOvr>
+  <p:timing>
+    <p:tnLst>
+      <p:par>
+        <p:cTn id="1" dur="indefinite" restart="never" nodeType="tmRoot"/>
+      </p:par>
+    </p:tnLst>
+  </p:timing>
 </p:sld>
 </file>
 
-<file path=ppt/slides/slide4.xml><?xml version="1.0" encoding="utf-8"?>
+<file path=ppt/slides/slide5.xml><?xml version="1.0" encoding="utf-8"?>
 <p:sld xmlns:a="http://schemas.openxmlformats.org/drawingml/2006/main" xmlns:r="http://schemas.openxmlformats.org/officeDocument/2006/relationships" xmlns:p="http://schemas.openxmlformats.org/presentationml/2006/main">
   <p:cSld>
     <p:bg>
@@ -3543,15 +3764,7 @@
             </a:pPr>
             <a:r>
               <a:rPr lang="he-IL" dirty="0" smtClean="0"/>
-              <a:t>קודם כל למדנו שעבודת צוות עדיפה על עבודה לבד, בקבוצה אומנם קצת יותר קשה </a:t>
-            </a:r>
-            <a:r>
-              <a:rPr lang="he-IL" dirty="0" smtClean="0"/>
-              <a:t>לעבוד, </a:t>
-            </a:r>
-            <a:r>
-              <a:rPr lang="he-IL" dirty="0" smtClean="0"/>
-              <a:t>אבל הערך המוסף שכל אחד יכול לעזור לאחר בנושא מסוים חשוב יותר.</a:t>
+              <a:t>קודם כל למדנו שעבודת צוות עדיפה על עבודה לבד, בקבוצה אומנם קצת יותר קשה לעבוד, אבל הערך המוסף שכל אחד יכול לעזור לאחר בנושא מסוים חשוב יותר.</a:t>
             </a:r>
           </a:p>
           <a:p>
@@ -3573,11 +3786,7 @@
             </a:pPr>
             <a:r>
               <a:rPr lang="he-IL" dirty="0" smtClean="0"/>
-              <a:t>בנוסף, </a:t>
-            </a:r>
-            <a:r>
-              <a:rPr lang="he-IL" dirty="0" smtClean="0"/>
-              <a:t>למדנו שעבודה מול לקוח והדרישות שלו אינן מקלות על הביצוע כמו שחשבנו בהתחלה, קיווינו כי הדרישות יכוונו אותנו למוצר הסופי, אבל חוסר הבנה אפילו בדברים הכי קטנים, יכול לשנות לגמרי את המוצר, שלא כמו בעבודה פרטית שלנו.</a:t>
+              <a:t>בנוסף, למדנו שעבודה מול לקוח והדרישות שלו אינן מקלות על הביצוע כמו שחשבנו בהתחלה, קיווינו כי הדרישות יכוונו אותנו למוצר הסופי, אבל חוסר הבנה אפילו בדברים הכי קטנים, יכול לשנות לגמרי את המוצר, שלא כמו בעבודה פרטית שלנו.</a:t>
             </a:r>
             <a:endParaRPr lang="he-IL" dirty="0"/>
           </a:p>
@@ -3626,7 +3835,7 @@
 </p:sld>
 </file>
 
-<file path=ppt/slides/slide5.xml><?xml version="1.0" encoding="utf-8"?>
+<file path=ppt/slides/slide6.xml><?xml version="1.0" encoding="utf-8"?>
 <p:sld xmlns:a="http://schemas.openxmlformats.org/drawingml/2006/main" xmlns:r="http://schemas.openxmlformats.org/officeDocument/2006/relationships" xmlns:p="http://schemas.openxmlformats.org/presentationml/2006/main">
   <p:cSld>
     <p:bg>
@@ -3799,11 +4008,7 @@
             </a:r>
             <a:r>
               <a:rPr lang="he-IL" dirty="0" smtClean="0"/>
-              <a:t> והשילוב ביניהם</a:t>
-            </a:r>
-            <a:r>
-              <a:rPr lang="he-IL" dirty="0" smtClean="0"/>
-              <a:t>.</a:t>
+              <a:t> והשילוב ביניהם.</a:t>
             </a:r>
           </a:p>
           <a:p>
@@ -3870,7 +4075,7 @@
 </p:sld>
 </file>
 
-<file path=ppt/slides/slide6.xml><?xml version="1.0" encoding="utf-8"?>
+<file path=ppt/slides/slide7.xml><?xml version="1.0" encoding="utf-8"?>
 <p:sld xmlns:a="http://schemas.openxmlformats.org/drawingml/2006/main" xmlns:r="http://schemas.openxmlformats.org/officeDocument/2006/relationships" xmlns:p="http://schemas.openxmlformats.org/presentationml/2006/main">
   <p:cSld>
     <p:bg>
